--- a/images/theory_analysis/RabbitMQ_DLX/RabbitMQ_DLX.pptx
+++ b/images/theory_analysis/RabbitMQ_DLX/RabbitMQ_DLX.pptx
@@ -5,11 +5,10 @@
     <p:sldMasterId id="2147483648" r:id="rId1"/>
   </p:sldMasterIdLst>
   <p:notesMasterIdLst>
-    <p:notesMasterId r:id="rId4"/>
+    <p:notesMasterId r:id="rId3"/>
   </p:notesMasterIdLst>
   <p:sldIdLst>
     <p:sldId id="425" r:id="rId2"/>
-    <p:sldId id="426" r:id="rId3"/>
   </p:sldIdLst>
   <p:sldSz cx="9144000" cy="5143500" type="screen16x9"/>
   <p:notesSz cx="6858000" cy="9144000"/>
@@ -214,7 +213,7 @@
           <a:p>
             <a:fld id="{6CD5550B-26C4-49A9-A5BA-636EF7BE6CE9}" type="datetimeFigureOut">
               <a:rPr lang="ko-KR" altLang="en-US" smtClean="0"/>
-              <a:t>2020-10-15</a:t>
+              <a:t>2020-10-16</a:t>
             </a:fld>
             <a:endParaRPr lang="ko-KR" altLang="en-US"/>
           </a:p>
@@ -581,106 +580,6 @@
 </p:notes>
 </file>
 
-<file path=ppt/notesSlides/notesSlide2.xml><?xml version="1.0" encoding="utf-8"?>
-<p:notes xmlns:a="http://schemas.openxmlformats.org/drawingml/2006/main" xmlns:r="http://schemas.openxmlformats.org/officeDocument/2006/relationships" xmlns:p="http://schemas.openxmlformats.org/presentationml/2006/main">
-  <p:cSld>
-    <p:spTree>
-      <p:nvGrpSpPr>
-        <p:cNvPr id="1" name=""/>
-        <p:cNvGrpSpPr/>
-        <p:nvPr/>
-      </p:nvGrpSpPr>
-      <p:grpSpPr>
-        <a:xfrm>
-          <a:off x="0" y="0"/>
-          <a:ext cx="0" cy="0"/>
-          <a:chOff x="0" y="0"/>
-          <a:chExt cx="0" cy="0"/>
-        </a:xfrm>
-      </p:grpSpPr>
-      <p:sp>
-        <p:nvSpPr>
-          <p:cNvPr id="2" name="슬라이드 이미지 개체 틀 1"/>
-          <p:cNvSpPr>
-            <a:spLocks noGrp="1" noRot="1" noChangeAspect="1"/>
-          </p:cNvSpPr>
-          <p:nvPr>
-            <p:ph type="sldImg"/>
-          </p:nvPr>
-        </p:nvSpPr>
-        <p:spPr/>
-      </p:sp>
-      <p:sp>
-        <p:nvSpPr>
-          <p:cNvPr id="3" name="슬라이드 노트 개체 틀 2"/>
-          <p:cNvSpPr>
-            <a:spLocks noGrp="1"/>
-          </p:cNvSpPr>
-          <p:nvPr>
-            <p:ph type="body" idx="1"/>
-          </p:nvPr>
-        </p:nvSpPr>
-        <p:spPr/>
-        <p:txBody>
-          <a:bodyPr/>
-          <a:lstStyle/>
-          <a:p>
-            <a:r>
-              <a:rPr lang="en-US" altLang="ko-KR" dirty="0"/>
-              <a:t>1. </a:t>
-            </a:r>
-            <a:r>
-              <a:rPr lang="en-US" altLang="ko-KR" dirty="0" err="1"/>
-              <a:t>AppArmor</a:t>
-            </a:r>
-            <a:r>
-              <a:rPr lang="en-US" altLang="ko-KR" baseline="0" dirty="0"/>
-              <a:t> </a:t>
-            </a:r>
-            <a:r>
-              <a:rPr lang="ko-KR" altLang="en-US" baseline="0" dirty="0"/>
-              <a:t>변경 권한</a:t>
-            </a:r>
-            <a:endParaRPr lang="ko-KR" altLang="en-US" dirty="0"/>
-          </a:p>
-        </p:txBody>
-      </p:sp>
-      <p:sp>
-        <p:nvSpPr>
-          <p:cNvPr id="4" name="슬라이드 번호 개체 틀 3"/>
-          <p:cNvSpPr>
-            <a:spLocks noGrp="1"/>
-          </p:cNvSpPr>
-          <p:nvPr>
-            <p:ph type="sldNum" sz="quarter" idx="10"/>
-          </p:nvPr>
-        </p:nvSpPr>
-        <p:spPr/>
-        <p:txBody>
-          <a:bodyPr/>
-          <a:lstStyle/>
-          <a:p>
-            <a:fld id="{BA5DFA43-8D57-47FB-BC46-057616015C3B}" type="slidenum">
-              <a:rPr lang="ko-KR" altLang="en-US" smtClean="0"/>
-              <a:t>2</a:t>
-            </a:fld>
-            <a:endParaRPr lang="ko-KR" altLang="en-US"/>
-          </a:p>
-        </p:txBody>
-      </p:sp>
-    </p:spTree>
-    <p:extLst>
-      <p:ext uri="{BB962C8B-B14F-4D97-AF65-F5344CB8AC3E}">
-        <p14:creationId xmlns:p14="http://schemas.microsoft.com/office/powerpoint/2010/main" val="4257801851"/>
-      </p:ext>
-    </p:extLst>
-  </p:cSld>
-  <p:clrMapOvr>
-    <a:masterClrMapping/>
-  </p:clrMapOvr>
-</p:notes>
-</file>
-
 <file path=ppt/slideLayouts/slideLayout1.xml><?xml version="1.0" encoding="utf-8"?>
 <p:sldLayout xmlns:a="http://schemas.openxmlformats.org/drawingml/2006/main" xmlns:r="http://schemas.openxmlformats.org/officeDocument/2006/relationships" xmlns:p="http://schemas.openxmlformats.org/presentationml/2006/main" type="title" preserve="1">
   <p:cSld name="제목 슬라이드">
@@ -860,7 +759,7 @@
           <a:p>
             <a:fld id="{FB30EDBD-1C2D-4C1E-B459-B60219FAB484}" type="datetimeFigureOut">
               <a:rPr lang="ko-KR" altLang="en-US" smtClean="0"/>
-              <a:t>2020-10-15</a:t>
+              <a:t>2020-10-16</a:t>
             </a:fld>
             <a:endParaRPr lang="ko-KR" altLang="en-US"/>
           </a:p>
@@ -1023,7 +922,7 @@
           <a:p>
             <a:fld id="{FB30EDBD-1C2D-4C1E-B459-B60219FAB484}" type="datetimeFigureOut">
               <a:rPr lang="ko-KR" altLang="en-US" smtClean="0"/>
-              <a:t>2020-10-15</a:t>
+              <a:t>2020-10-16</a:t>
             </a:fld>
             <a:endParaRPr lang="ko-KR" altLang="en-US"/>
           </a:p>
@@ -1196,7 +1095,7 @@
           <a:p>
             <a:fld id="{FB30EDBD-1C2D-4C1E-B459-B60219FAB484}" type="datetimeFigureOut">
               <a:rPr lang="ko-KR" altLang="en-US" smtClean="0"/>
-              <a:t>2020-10-15</a:t>
+              <a:t>2020-10-16</a:t>
             </a:fld>
             <a:endParaRPr lang="ko-KR" altLang="en-US"/>
           </a:p>
@@ -1359,7 +1258,7 @@
           <a:p>
             <a:fld id="{FB30EDBD-1C2D-4C1E-B459-B60219FAB484}" type="datetimeFigureOut">
               <a:rPr lang="ko-KR" altLang="en-US" smtClean="0"/>
-              <a:t>2020-10-15</a:t>
+              <a:t>2020-10-16</a:t>
             </a:fld>
             <a:endParaRPr lang="ko-KR" altLang="en-US"/>
           </a:p>
@@ -1599,7 +1498,7 @@
           <a:p>
             <a:fld id="{FB30EDBD-1C2D-4C1E-B459-B60219FAB484}" type="datetimeFigureOut">
               <a:rPr lang="ko-KR" altLang="en-US" smtClean="0"/>
-              <a:t>2020-10-15</a:t>
+              <a:t>2020-10-16</a:t>
             </a:fld>
             <a:endParaRPr lang="ko-KR" altLang="en-US"/>
           </a:p>
@@ -1879,7 +1778,7 @@
           <a:p>
             <a:fld id="{FB30EDBD-1C2D-4C1E-B459-B60219FAB484}" type="datetimeFigureOut">
               <a:rPr lang="ko-KR" altLang="en-US" smtClean="0"/>
-              <a:t>2020-10-15</a:t>
+              <a:t>2020-10-16</a:t>
             </a:fld>
             <a:endParaRPr lang="ko-KR" altLang="en-US"/>
           </a:p>
@@ -2293,7 +2192,7 @@
           <a:p>
             <a:fld id="{FB30EDBD-1C2D-4C1E-B459-B60219FAB484}" type="datetimeFigureOut">
               <a:rPr lang="ko-KR" altLang="en-US" smtClean="0"/>
-              <a:t>2020-10-15</a:t>
+              <a:t>2020-10-16</a:t>
             </a:fld>
             <a:endParaRPr lang="ko-KR" altLang="en-US"/>
           </a:p>
@@ -2405,7 +2304,7 @@
           <a:p>
             <a:fld id="{FB30EDBD-1C2D-4C1E-B459-B60219FAB484}" type="datetimeFigureOut">
               <a:rPr lang="ko-KR" altLang="en-US" smtClean="0"/>
-              <a:t>2020-10-15</a:t>
+              <a:t>2020-10-16</a:t>
             </a:fld>
             <a:endParaRPr lang="ko-KR" altLang="en-US"/>
           </a:p>
@@ -2495,7 +2394,7 @@
           <a:p>
             <a:fld id="{FB30EDBD-1C2D-4C1E-B459-B60219FAB484}" type="datetimeFigureOut">
               <a:rPr lang="ko-KR" altLang="en-US" smtClean="0"/>
-              <a:t>2020-10-15</a:t>
+              <a:t>2020-10-16</a:t>
             </a:fld>
             <a:endParaRPr lang="ko-KR" altLang="en-US"/>
           </a:p>
@@ -2765,7 +2664,7 @@
           <a:p>
             <a:fld id="{FB30EDBD-1C2D-4C1E-B459-B60219FAB484}" type="datetimeFigureOut">
               <a:rPr lang="ko-KR" altLang="en-US" smtClean="0"/>
-              <a:t>2020-10-15</a:t>
+              <a:t>2020-10-16</a:t>
             </a:fld>
             <a:endParaRPr lang="ko-KR" altLang="en-US"/>
           </a:p>
@@ -3012,7 +2911,7 @@
           <a:p>
             <a:fld id="{FB30EDBD-1C2D-4C1E-B459-B60219FAB484}" type="datetimeFigureOut">
               <a:rPr lang="ko-KR" altLang="en-US" smtClean="0"/>
-              <a:t>2020-10-15</a:t>
+              <a:t>2020-10-16</a:t>
             </a:fld>
             <a:endParaRPr lang="ko-KR" altLang="en-US"/>
           </a:p>
@@ -3218,7 +3117,7 @@
           <a:p>
             <a:fld id="{FB30EDBD-1C2D-4C1E-B459-B60219FAB484}" type="datetimeFigureOut">
               <a:rPr lang="ko-KR" altLang="en-US" smtClean="0"/>
-              <a:t>2020-10-15</a:t>
+              <a:t>2020-10-16</a:t>
             </a:fld>
             <a:endParaRPr lang="ko-KR" altLang="en-US"/>
           </a:p>
@@ -4166,7 +4065,7 @@
             <a:pPr algn="ctr"/>
             <a:r>
               <a:rPr lang="en-US" altLang="ko-KR" sz="1050" b="1"/>
-              <a:t>Reject</a:t>
+              <a:t>reject</a:t>
             </a:r>
             <a:r>
               <a:rPr lang="en-US" altLang="ko-KR" sz="1050"/>
@@ -4174,7 +4073,7 @@
             </a:r>
             <a:r>
               <a:rPr lang="en-US" altLang="ko-KR" sz="1050" b="1"/>
-              <a:t>NACK</a:t>
+              <a:t>nack</a:t>
             </a:r>
             <a:r>
               <a:rPr lang="en-US" altLang="ko-KR" sz="1050"/>
@@ -4251,7 +4150,7 @@
         </p:nvSpPr>
         <p:spPr>
           <a:xfrm>
-            <a:off x="3635896" y="3037914"/>
+            <a:off x="4355172" y="2859782"/>
             <a:ext cx="1656988" cy="253916"/>
           </a:xfrm>
           <a:prstGeom prst="rect">
@@ -4288,7 +4187,7 @@
         </p:nvSpPr>
         <p:spPr>
           <a:xfrm>
-            <a:off x="1782740" y="2715766"/>
+            <a:off x="1763688" y="2821890"/>
             <a:ext cx="1656988" cy="253916"/>
           </a:xfrm>
           <a:prstGeom prst="rect">
@@ -4315,1851 +4214,6 @@
     <p:extLst>
       <p:ext uri="{BB962C8B-B14F-4D97-AF65-F5344CB8AC3E}">
         <p14:creationId xmlns:p14="http://schemas.microsoft.com/office/powerpoint/2010/main" val="3746481426"/>
-      </p:ext>
-    </p:extLst>
-  </p:cSld>
-  <p:clrMapOvr>
-    <a:masterClrMapping/>
-  </p:clrMapOvr>
-</p:sld>
-</file>
-
-<file path=ppt/slides/slide2.xml><?xml version="1.0" encoding="utf-8"?>
-<p:sld xmlns:a="http://schemas.openxmlformats.org/drawingml/2006/main" xmlns:r="http://schemas.openxmlformats.org/officeDocument/2006/relationships" xmlns:p="http://schemas.openxmlformats.org/presentationml/2006/main">
-  <p:cSld>
-    <p:spTree>
-      <p:nvGrpSpPr>
-        <p:cNvPr id="1" name=""/>
-        <p:cNvGrpSpPr/>
-        <p:nvPr/>
-      </p:nvGrpSpPr>
-      <p:grpSpPr>
-        <a:xfrm>
-          <a:off x="0" y="0"/>
-          <a:ext cx="0" cy="0"/>
-          <a:chOff x="0" y="0"/>
-          <a:chExt cx="0" cy="0"/>
-        </a:xfrm>
-      </p:grpSpPr>
-      <p:sp>
-        <p:nvSpPr>
-          <p:cNvPr id="6" name="제목 1"/>
-          <p:cNvSpPr>
-            <a:spLocks noGrp="1"/>
-          </p:cNvSpPr>
-          <p:nvPr>
-            <p:ph type="title"/>
-          </p:nvPr>
-        </p:nvSpPr>
-        <p:spPr>
-          <a:xfrm>
-            <a:off x="457200" y="58316"/>
-            <a:ext cx="8229600" cy="857250"/>
-          </a:xfrm>
-        </p:spPr>
-        <p:txBody>
-          <a:bodyPr>
-            <a:normAutofit/>
-          </a:bodyPr>
-          <a:lstStyle/>
-          <a:p>
-            <a:r>
-              <a:rPr lang="en-US" altLang="ko-KR"/>
-              <a:t>RabbitMQ DLX</a:t>
-            </a:r>
-            <a:endParaRPr lang="ko-KR" altLang="en-US" dirty="0"/>
-          </a:p>
-        </p:txBody>
-      </p:sp>
-      <p:sp>
-        <p:nvSpPr>
-          <p:cNvPr id="8" name="모서리가 둥근 직사각형 7"/>
-          <p:cNvSpPr/>
-          <p:nvPr/>
-        </p:nvSpPr>
-        <p:spPr>
-          <a:xfrm>
-            <a:off x="3259073" y="1111836"/>
-            <a:ext cx="2670147" cy="1201263"/>
-          </a:xfrm>
-          <a:prstGeom prst="roundRect">
-            <a:avLst>
-              <a:gd name="adj" fmla="val 7088"/>
-            </a:avLst>
-          </a:prstGeom>
-        </p:spPr>
-        <p:style>
-          <a:lnRef idx="2">
-            <a:schemeClr val="dk1"/>
-          </a:lnRef>
-          <a:fillRef idx="1">
-            <a:schemeClr val="lt1"/>
-          </a:fillRef>
-          <a:effectRef idx="0">
-            <a:schemeClr val="dk1"/>
-          </a:effectRef>
-          <a:fontRef idx="minor">
-            <a:schemeClr val="dk1"/>
-          </a:fontRef>
-        </p:style>
-        <p:txBody>
-          <a:bodyPr rtlCol="0" anchor="t"/>
-          <a:lstStyle/>
-          <a:p>
-            <a:pPr algn="ctr"/>
-            <a:r>
-              <a:rPr lang="en-US" altLang="ko-KR" sz="1400" b="1"/>
-              <a:t>RabbitMQ A</a:t>
-            </a:r>
-            <a:endParaRPr lang="ko-KR" altLang="en-US" sz="1400" b="1" dirty="0"/>
-          </a:p>
-        </p:txBody>
-      </p:sp>
-      <p:sp>
-        <p:nvSpPr>
-          <p:cNvPr id="11" name="모서리가 둥근 직사각형 10"/>
-          <p:cNvSpPr/>
-          <p:nvPr/>
-        </p:nvSpPr>
-        <p:spPr>
-          <a:xfrm>
-            <a:off x="3351080" y="1653925"/>
-            <a:ext cx="1060082" cy="355241"/>
-          </a:xfrm>
-          <a:prstGeom prst="roundRect">
-            <a:avLst/>
-          </a:prstGeom>
-        </p:spPr>
-        <p:style>
-          <a:lnRef idx="2">
-            <a:schemeClr val="dk1"/>
-          </a:lnRef>
-          <a:fillRef idx="1">
-            <a:schemeClr val="lt1"/>
-          </a:fillRef>
-          <a:effectRef idx="0">
-            <a:schemeClr val="dk1"/>
-          </a:effectRef>
-          <a:fontRef idx="minor">
-            <a:schemeClr val="dk1"/>
-          </a:fontRef>
-        </p:style>
-        <p:txBody>
-          <a:bodyPr rtlCol="0" anchor="ctr"/>
-          <a:lstStyle/>
-          <a:p>
-            <a:pPr algn="ctr"/>
-            <a:r>
-              <a:rPr lang="en-US" altLang="ko-KR" sz="1200"/>
-              <a:t>Exchange A</a:t>
-            </a:r>
-            <a:endParaRPr lang="ko-KR" altLang="en-US" sz="1200" dirty="0"/>
-          </a:p>
-        </p:txBody>
-      </p:sp>
-      <p:sp>
-        <p:nvSpPr>
-          <p:cNvPr id="15" name="모서리가 둥근 직사각형 14"/>
-          <p:cNvSpPr/>
-          <p:nvPr/>
-        </p:nvSpPr>
-        <p:spPr>
-          <a:xfrm>
-            <a:off x="4560916" y="1471140"/>
-            <a:ext cx="1230415" cy="720813"/>
-          </a:xfrm>
-          <a:prstGeom prst="roundRect">
-            <a:avLst>
-              <a:gd name="adj" fmla="val 10138"/>
-            </a:avLst>
-          </a:prstGeom>
-        </p:spPr>
-        <p:style>
-          <a:lnRef idx="2">
-            <a:schemeClr val="dk1"/>
-          </a:lnRef>
-          <a:fillRef idx="1">
-            <a:schemeClr val="lt1"/>
-          </a:fillRef>
-          <a:effectRef idx="0">
-            <a:schemeClr val="dk1"/>
-          </a:effectRef>
-          <a:fontRef idx="minor">
-            <a:schemeClr val="dk1"/>
-          </a:fontRef>
-        </p:style>
-        <p:txBody>
-          <a:bodyPr rtlCol="0" anchor="b"/>
-          <a:lstStyle/>
-          <a:p>
-            <a:pPr algn="ctr"/>
-            <a:r>
-              <a:rPr lang="en-US" altLang="ko-KR" sz="1050"/>
-              <a:t>Queue A Master</a:t>
-            </a:r>
-            <a:endParaRPr lang="ko-KR" altLang="en-US" sz="1050" dirty="0"/>
-          </a:p>
-        </p:txBody>
-      </p:sp>
-      <p:cxnSp>
-        <p:nvCxnSpPr>
-          <p:cNvPr id="29" name="직선 화살표 연결선 28"/>
-          <p:cNvCxnSpPr>
-            <a:cxnSpLocks/>
-            <a:stCxn id="11" idx="3"/>
-            <a:endCxn id="15" idx="1"/>
-          </p:cNvCxnSpPr>
-          <p:nvPr/>
-        </p:nvCxnSpPr>
-        <p:spPr>
-          <a:xfrm>
-            <a:off x="4411162" y="1831546"/>
-            <a:ext cx="149754" cy="1"/>
-          </a:xfrm>
-          <a:prstGeom prst="straightConnector1">
-            <a:avLst/>
-          </a:prstGeom>
-          <a:ln w="28575">
-            <a:tailEnd type="arrow"/>
-          </a:ln>
-        </p:spPr>
-        <p:style>
-          <a:lnRef idx="1">
-            <a:schemeClr val="dk1"/>
-          </a:lnRef>
-          <a:fillRef idx="0">
-            <a:schemeClr val="dk1"/>
-          </a:fillRef>
-          <a:effectRef idx="0">
-            <a:schemeClr val="dk1"/>
-          </a:effectRef>
-          <a:fontRef idx="minor">
-            <a:schemeClr val="tx1"/>
-          </a:fontRef>
-        </p:style>
-      </p:cxnSp>
-      <p:sp>
-        <p:nvSpPr>
-          <p:cNvPr id="9" name="직사각형 8">
-            <a:extLst>
-              <a:ext uri="{FF2B5EF4-FFF2-40B4-BE49-F238E27FC236}">
-                <a16:creationId xmlns:a16="http://schemas.microsoft.com/office/drawing/2014/main" id="{619BCEAA-D7D0-468A-8205-13919F7FA801}"/>
-              </a:ext>
-            </a:extLst>
-          </p:cNvPr>
-          <p:cNvSpPr/>
-          <p:nvPr/>
-        </p:nvSpPr>
-        <p:spPr>
-          <a:xfrm>
-            <a:off x="4665313" y="1596095"/>
-            <a:ext cx="504056" cy="324722"/>
-          </a:xfrm>
-          <a:prstGeom prst="rect">
-            <a:avLst/>
-          </a:prstGeom>
-        </p:spPr>
-        <p:style>
-          <a:lnRef idx="2">
-            <a:schemeClr val="dk1"/>
-          </a:lnRef>
-          <a:fillRef idx="1">
-            <a:schemeClr val="lt1"/>
-          </a:fillRef>
-          <a:effectRef idx="0">
-            <a:schemeClr val="dk1"/>
-          </a:effectRef>
-          <a:fontRef idx="minor">
-            <a:schemeClr val="dk1"/>
-          </a:fontRef>
-        </p:style>
-        <p:txBody>
-          <a:bodyPr rtlCol="0" anchor="ctr"/>
-          <a:lstStyle/>
-          <a:p>
-            <a:pPr algn="ctr"/>
-            <a:r>
-              <a:rPr lang="en-US" altLang="ko-KR" sz="1050"/>
-              <a:t>Msg A</a:t>
-            </a:r>
-            <a:endParaRPr lang="ko-KR" altLang="en-US" sz="1200"/>
-          </a:p>
-        </p:txBody>
-      </p:sp>
-      <p:sp>
-        <p:nvSpPr>
-          <p:cNvPr id="22" name="직사각형 21">
-            <a:extLst>
-              <a:ext uri="{FF2B5EF4-FFF2-40B4-BE49-F238E27FC236}">
-                <a16:creationId xmlns:a16="http://schemas.microsoft.com/office/drawing/2014/main" id="{DDE81721-326D-481F-AF1A-FABCF0F3816E}"/>
-              </a:ext>
-            </a:extLst>
-          </p:cNvPr>
-          <p:cNvSpPr/>
-          <p:nvPr/>
-        </p:nvSpPr>
-        <p:spPr>
-          <a:xfrm>
-            <a:off x="5164653" y="1596095"/>
-            <a:ext cx="504056" cy="324722"/>
-          </a:xfrm>
-          <a:prstGeom prst="rect">
-            <a:avLst/>
-          </a:prstGeom>
-        </p:spPr>
-        <p:style>
-          <a:lnRef idx="2">
-            <a:schemeClr val="dk1"/>
-          </a:lnRef>
-          <a:fillRef idx="1">
-            <a:schemeClr val="lt1"/>
-          </a:fillRef>
-          <a:effectRef idx="0">
-            <a:schemeClr val="dk1"/>
-          </a:effectRef>
-          <a:fontRef idx="minor">
-            <a:schemeClr val="dk1"/>
-          </a:fontRef>
-        </p:style>
-        <p:txBody>
-          <a:bodyPr rtlCol="0" anchor="ctr"/>
-          <a:lstStyle/>
-          <a:p>
-            <a:pPr algn="ctr"/>
-            <a:r>
-              <a:rPr lang="en-US" altLang="ko-KR" sz="1050"/>
-              <a:t>Msg B</a:t>
-            </a:r>
-            <a:endParaRPr lang="ko-KR" altLang="en-US" sz="1200"/>
-          </a:p>
-        </p:txBody>
-      </p:sp>
-      <p:sp>
-        <p:nvSpPr>
-          <p:cNvPr id="51" name="모서리가 둥근 직사각형 7">
-            <a:extLst>
-              <a:ext uri="{FF2B5EF4-FFF2-40B4-BE49-F238E27FC236}">
-                <a16:creationId xmlns:a16="http://schemas.microsoft.com/office/drawing/2014/main" id="{849614BC-0558-4684-B6ED-94C4959DDAB5}"/>
-              </a:ext>
-            </a:extLst>
-          </p:cNvPr>
-          <p:cNvSpPr/>
-          <p:nvPr/>
-        </p:nvSpPr>
-        <p:spPr>
-          <a:xfrm>
-            <a:off x="4740500" y="2912033"/>
-            <a:ext cx="2670147" cy="1171919"/>
-          </a:xfrm>
-          <a:prstGeom prst="roundRect">
-            <a:avLst>
-              <a:gd name="adj" fmla="val 7088"/>
-            </a:avLst>
-          </a:prstGeom>
-        </p:spPr>
-        <p:style>
-          <a:lnRef idx="2">
-            <a:schemeClr val="dk1"/>
-          </a:lnRef>
-          <a:fillRef idx="1">
-            <a:schemeClr val="lt1"/>
-          </a:fillRef>
-          <a:effectRef idx="0">
-            <a:schemeClr val="dk1"/>
-          </a:effectRef>
-          <a:fontRef idx="minor">
-            <a:schemeClr val="dk1"/>
-          </a:fontRef>
-        </p:style>
-        <p:txBody>
-          <a:bodyPr rtlCol="0" anchor="b"/>
-          <a:lstStyle/>
-          <a:p>
-            <a:pPr algn="ctr"/>
-            <a:r>
-              <a:rPr lang="en-US" altLang="ko-KR" sz="1400" b="1"/>
-              <a:t>RabbitMQ C</a:t>
-            </a:r>
-            <a:endParaRPr lang="ko-KR" altLang="en-US" sz="1400" b="1" dirty="0"/>
-          </a:p>
-        </p:txBody>
-      </p:sp>
-      <p:sp>
-        <p:nvSpPr>
-          <p:cNvPr id="53" name="모서리가 둥근 직사각형 10">
-            <a:extLst>
-              <a:ext uri="{FF2B5EF4-FFF2-40B4-BE49-F238E27FC236}">
-                <a16:creationId xmlns:a16="http://schemas.microsoft.com/office/drawing/2014/main" id="{7CA02690-196E-4254-8292-66DE397E44AB}"/>
-              </a:ext>
-            </a:extLst>
-          </p:cNvPr>
-          <p:cNvSpPr/>
-          <p:nvPr/>
-        </p:nvSpPr>
-        <p:spPr>
-          <a:xfrm>
-            <a:off x="4832508" y="3203632"/>
-            <a:ext cx="1060080" cy="355241"/>
-          </a:xfrm>
-          <a:prstGeom prst="roundRect">
-            <a:avLst/>
-          </a:prstGeom>
-        </p:spPr>
-        <p:style>
-          <a:lnRef idx="2">
-            <a:schemeClr val="dk1"/>
-          </a:lnRef>
-          <a:fillRef idx="1">
-            <a:schemeClr val="lt1"/>
-          </a:fillRef>
-          <a:effectRef idx="0">
-            <a:schemeClr val="dk1"/>
-          </a:effectRef>
-          <a:fontRef idx="minor">
-            <a:schemeClr val="dk1"/>
-          </a:fontRef>
-        </p:style>
-        <p:txBody>
-          <a:bodyPr rtlCol="0" anchor="ctr"/>
-          <a:lstStyle/>
-          <a:p>
-            <a:pPr algn="ctr"/>
-            <a:r>
-              <a:rPr lang="en-US" altLang="ko-KR" sz="1200"/>
-              <a:t>Exchange A</a:t>
-            </a:r>
-            <a:endParaRPr lang="ko-KR" altLang="en-US" sz="1200" dirty="0"/>
-          </a:p>
-        </p:txBody>
-      </p:sp>
-      <p:sp>
-        <p:nvSpPr>
-          <p:cNvPr id="68" name="모서리가 둥근 직사각형 3">
-            <a:extLst>
-              <a:ext uri="{FF2B5EF4-FFF2-40B4-BE49-F238E27FC236}">
-                <a16:creationId xmlns:a16="http://schemas.microsoft.com/office/drawing/2014/main" id="{8284203C-8223-4A9D-8774-DFB07215D574}"/>
-              </a:ext>
-            </a:extLst>
-          </p:cNvPr>
-          <p:cNvSpPr/>
-          <p:nvPr/>
-        </p:nvSpPr>
-        <p:spPr>
-          <a:xfrm>
-            <a:off x="439108" y="2366669"/>
-            <a:ext cx="1061032" cy="502462"/>
-          </a:xfrm>
-          <a:prstGeom prst="roundRect">
-            <a:avLst/>
-          </a:prstGeom>
-          <a:ln>
-            <a:solidFill>
-              <a:srgbClr val="C00000"/>
-            </a:solidFill>
-          </a:ln>
-        </p:spPr>
-        <p:style>
-          <a:lnRef idx="2">
-            <a:schemeClr val="dk1"/>
-          </a:lnRef>
-          <a:fillRef idx="1">
-            <a:schemeClr val="lt1"/>
-          </a:fillRef>
-          <a:effectRef idx="0">
-            <a:schemeClr val="dk1"/>
-          </a:effectRef>
-          <a:fontRef idx="minor">
-            <a:schemeClr val="dk1"/>
-          </a:fontRef>
-        </p:style>
-        <p:txBody>
-          <a:bodyPr rtlCol="0" anchor="ctr"/>
-          <a:lstStyle/>
-          <a:p>
-            <a:pPr algn="ctr"/>
-            <a:r>
-              <a:rPr lang="en-US" altLang="ko-KR" sz="1600"/>
-              <a:t>Producer</a:t>
-            </a:r>
-            <a:endParaRPr lang="ko-KR" altLang="en-US" sz="1600" dirty="0"/>
-          </a:p>
-        </p:txBody>
-      </p:sp>
-      <p:sp>
-        <p:nvSpPr>
-          <p:cNvPr id="69" name="모서리가 둥근 직사각형 7">
-            <a:extLst>
-              <a:ext uri="{FF2B5EF4-FFF2-40B4-BE49-F238E27FC236}">
-                <a16:creationId xmlns:a16="http://schemas.microsoft.com/office/drawing/2014/main" id="{353CD3A4-CF32-4AC9-9EDB-585A547D33A9}"/>
-              </a:ext>
-            </a:extLst>
-          </p:cNvPr>
-          <p:cNvSpPr/>
-          <p:nvPr/>
-        </p:nvSpPr>
-        <p:spPr>
-          <a:xfrm>
-            <a:off x="1854329" y="2912034"/>
-            <a:ext cx="2670147" cy="1176740"/>
-          </a:xfrm>
-          <a:prstGeom prst="roundRect">
-            <a:avLst>
-              <a:gd name="adj" fmla="val 7088"/>
-            </a:avLst>
-          </a:prstGeom>
-        </p:spPr>
-        <p:style>
-          <a:lnRef idx="2">
-            <a:schemeClr val="dk1"/>
-          </a:lnRef>
-          <a:fillRef idx="1">
-            <a:schemeClr val="lt1"/>
-          </a:fillRef>
-          <a:effectRef idx="0">
-            <a:schemeClr val="dk1"/>
-          </a:effectRef>
-          <a:fontRef idx="minor">
-            <a:schemeClr val="dk1"/>
-          </a:fontRef>
-        </p:style>
-        <p:txBody>
-          <a:bodyPr rtlCol="0" anchor="b"/>
-          <a:lstStyle/>
-          <a:p>
-            <a:pPr algn="ctr"/>
-            <a:r>
-              <a:rPr lang="en-US" altLang="ko-KR" sz="1400" b="1"/>
-              <a:t>RabbitMQ B</a:t>
-            </a:r>
-            <a:endParaRPr lang="ko-KR" altLang="en-US" sz="1400" b="1" dirty="0"/>
-          </a:p>
-        </p:txBody>
-      </p:sp>
-      <p:sp>
-        <p:nvSpPr>
-          <p:cNvPr id="71" name="모서리가 둥근 직사각형 10">
-            <a:extLst>
-              <a:ext uri="{FF2B5EF4-FFF2-40B4-BE49-F238E27FC236}">
-                <a16:creationId xmlns:a16="http://schemas.microsoft.com/office/drawing/2014/main" id="{C21867FD-9BE3-4CCE-968C-21BCC2F88F57}"/>
-              </a:ext>
-            </a:extLst>
-          </p:cNvPr>
-          <p:cNvSpPr/>
-          <p:nvPr/>
-        </p:nvSpPr>
-        <p:spPr>
-          <a:xfrm>
-            <a:off x="1946337" y="3203632"/>
-            <a:ext cx="1060080" cy="355241"/>
-          </a:xfrm>
-          <a:prstGeom prst="roundRect">
-            <a:avLst/>
-          </a:prstGeom>
-        </p:spPr>
-        <p:style>
-          <a:lnRef idx="2">
-            <a:schemeClr val="dk1"/>
-          </a:lnRef>
-          <a:fillRef idx="1">
-            <a:schemeClr val="lt1"/>
-          </a:fillRef>
-          <a:effectRef idx="0">
-            <a:schemeClr val="dk1"/>
-          </a:effectRef>
-          <a:fontRef idx="minor">
-            <a:schemeClr val="dk1"/>
-          </a:fontRef>
-        </p:style>
-        <p:txBody>
-          <a:bodyPr rtlCol="0" anchor="ctr"/>
-          <a:lstStyle/>
-          <a:p>
-            <a:pPr algn="ctr"/>
-            <a:r>
-              <a:rPr lang="en-US" altLang="ko-KR" sz="1200"/>
-              <a:t>Exchange A </a:t>
-            </a:r>
-            <a:endParaRPr lang="ko-KR" altLang="en-US" sz="1200" dirty="0"/>
-          </a:p>
-        </p:txBody>
-      </p:sp>
-      <p:sp>
-        <p:nvSpPr>
-          <p:cNvPr id="73" name="모서리가 둥근 직사각형 14">
-            <a:extLst>
-              <a:ext uri="{FF2B5EF4-FFF2-40B4-BE49-F238E27FC236}">
-                <a16:creationId xmlns:a16="http://schemas.microsoft.com/office/drawing/2014/main" id="{67E05A8E-75AD-46ED-A54C-72F3E317DFEB}"/>
-              </a:ext>
-            </a:extLst>
-          </p:cNvPr>
-          <p:cNvSpPr/>
-          <p:nvPr/>
-        </p:nvSpPr>
-        <p:spPr>
-          <a:xfrm>
-            <a:off x="3149748" y="3020847"/>
-            <a:ext cx="1236839" cy="720813"/>
-          </a:xfrm>
-          <a:prstGeom prst="roundRect">
-            <a:avLst>
-              <a:gd name="adj" fmla="val 8272"/>
-            </a:avLst>
-          </a:prstGeom>
-        </p:spPr>
-        <p:style>
-          <a:lnRef idx="2">
-            <a:schemeClr val="dk1"/>
-          </a:lnRef>
-          <a:fillRef idx="1">
-            <a:schemeClr val="lt1"/>
-          </a:fillRef>
-          <a:effectRef idx="0">
-            <a:schemeClr val="dk1"/>
-          </a:effectRef>
-          <a:fontRef idx="minor">
-            <a:schemeClr val="dk1"/>
-          </a:fontRef>
-        </p:style>
-        <p:txBody>
-          <a:bodyPr rtlCol="0" anchor="b"/>
-          <a:lstStyle/>
-          <a:p>
-            <a:pPr algn="ctr"/>
-            <a:r>
-              <a:rPr lang="en-US" altLang="ko-KR" sz="1050"/>
-              <a:t>Queue A Slave </a:t>
-            </a:r>
-            <a:endParaRPr lang="ko-KR" altLang="en-US" sz="1050" dirty="0"/>
-          </a:p>
-        </p:txBody>
-      </p:sp>
-      <p:cxnSp>
-        <p:nvCxnSpPr>
-          <p:cNvPr id="74" name="직선 화살표 연결선 73">
-            <a:extLst>
-              <a:ext uri="{FF2B5EF4-FFF2-40B4-BE49-F238E27FC236}">
-                <a16:creationId xmlns:a16="http://schemas.microsoft.com/office/drawing/2014/main" id="{E1B88547-D467-4E7D-A9A3-0535CA5F05F2}"/>
-              </a:ext>
-            </a:extLst>
-          </p:cNvPr>
-          <p:cNvCxnSpPr>
-            <a:cxnSpLocks/>
-          </p:cNvCxnSpPr>
-          <p:nvPr/>
-        </p:nvCxnSpPr>
-        <p:spPr>
-          <a:xfrm flipV="1">
-            <a:off x="1500140" y="1635646"/>
-            <a:ext cx="1758933" cy="905432"/>
-          </a:xfrm>
-          <a:prstGeom prst="straightConnector1">
-            <a:avLst/>
-          </a:prstGeom>
-          <a:ln w="28575">
-            <a:solidFill>
-              <a:srgbClr val="C00000"/>
-            </a:solidFill>
-            <a:tailEnd type="arrow"/>
-          </a:ln>
-        </p:spPr>
-        <p:style>
-          <a:lnRef idx="1">
-            <a:schemeClr val="dk1"/>
-          </a:lnRef>
-          <a:fillRef idx="0">
-            <a:schemeClr val="dk1"/>
-          </a:fillRef>
-          <a:effectRef idx="0">
-            <a:schemeClr val="dk1"/>
-          </a:effectRef>
-          <a:fontRef idx="minor">
-            <a:schemeClr val="tx1"/>
-          </a:fontRef>
-        </p:style>
-      </p:cxnSp>
-      <p:sp>
-        <p:nvSpPr>
-          <p:cNvPr id="82" name="직사각형 81">
-            <a:extLst>
-              <a:ext uri="{FF2B5EF4-FFF2-40B4-BE49-F238E27FC236}">
-                <a16:creationId xmlns:a16="http://schemas.microsoft.com/office/drawing/2014/main" id="{4B318D50-8071-4B53-BADC-B8DE6A90CE51}"/>
-              </a:ext>
-            </a:extLst>
-          </p:cNvPr>
-          <p:cNvSpPr/>
-          <p:nvPr/>
-        </p:nvSpPr>
-        <p:spPr>
-          <a:xfrm>
-            <a:off x="3253845" y="3145802"/>
-            <a:ext cx="504056" cy="324722"/>
-          </a:xfrm>
-          <a:prstGeom prst="rect">
-            <a:avLst/>
-          </a:prstGeom>
-        </p:spPr>
-        <p:style>
-          <a:lnRef idx="2">
-            <a:schemeClr val="dk1"/>
-          </a:lnRef>
-          <a:fillRef idx="1">
-            <a:schemeClr val="lt1"/>
-          </a:fillRef>
-          <a:effectRef idx="0">
-            <a:schemeClr val="dk1"/>
-          </a:effectRef>
-          <a:fontRef idx="minor">
-            <a:schemeClr val="dk1"/>
-          </a:fontRef>
-        </p:style>
-        <p:txBody>
-          <a:bodyPr rtlCol="0" anchor="ctr"/>
-          <a:lstStyle/>
-          <a:p>
-            <a:pPr algn="ctr"/>
-            <a:r>
-              <a:rPr lang="en-US" altLang="ko-KR" sz="1050"/>
-              <a:t>Msg A</a:t>
-            </a:r>
-            <a:endParaRPr lang="ko-KR" altLang="en-US" sz="1200"/>
-          </a:p>
-        </p:txBody>
-      </p:sp>
-      <p:sp>
-        <p:nvSpPr>
-          <p:cNvPr id="14" name="사각형: 둥근 모서리 13">
-            <a:extLst>
-              <a:ext uri="{FF2B5EF4-FFF2-40B4-BE49-F238E27FC236}">
-                <a16:creationId xmlns:a16="http://schemas.microsoft.com/office/drawing/2014/main" id="{38F34A5E-3572-47CB-AFEF-747789B6D44F}"/>
-              </a:ext>
-            </a:extLst>
-          </p:cNvPr>
-          <p:cNvSpPr/>
-          <p:nvPr/>
-        </p:nvSpPr>
-        <p:spPr>
-          <a:xfrm>
-            <a:off x="1716164" y="987574"/>
-            <a:ext cx="5832648" cy="3235341"/>
-          </a:xfrm>
-          <a:prstGeom prst="roundRect">
-            <a:avLst>
-              <a:gd name="adj" fmla="val 5055"/>
-            </a:avLst>
-          </a:prstGeom>
-          <a:noFill/>
-          <a:ln>
-            <a:prstDash val="dash"/>
-          </a:ln>
-        </p:spPr>
-        <p:style>
-          <a:lnRef idx="2">
-            <a:schemeClr val="dk1"/>
-          </a:lnRef>
-          <a:fillRef idx="1">
-            <a:schemeClr val="lt1"/>
-          </a:fillRef>
-          <a:effectRef idx="0">
-            <a:schemeClr val="dk1"/>
-          </a:effectRef>
-          <a:fontRef idx="minor">
-            <a:schemeClr val="dk1"/>
-          </a:fontRef>
-        </p:style>
-        <p:txBody>
-          <a:bodyPr rtlCol="0" anchor="ctr"/>
-          <a:lstStyle/>
-          <a:p>
-            <a:pPr algn="ctr"/>
-            <a:endParaRPr lang="ko-KR" altLang="en-US"/>
-          </a:p>
-        </p:txBody>
-      </p:sp>
-      <p:sp>
-        <p:nvSpPr>
-          <p:cNvPr id="17" name="TextBox 16">
-            <a:extLst>
-              <a:ext uri="{FF2B5EF4-FFF2-40B4-BE49-F238E27FC236}">
-                <a16:creationId xmlns:a16="http://schemas.microsoft.com/office/drawing/2014/main" id="{111FF6A5-D91A-40B7-A31A-589D41A5A472}"/>
-              </a:ext>
-            </a:extLst>
-          </p:cNvPr>
-          <p:cNvSpPr txBox="1"/>
-          <p:nvPr/>
-        </p:nvSpPr>
-        <p:spPr>
-          <a:xfrm>
-            <a:off x="1762174" y="1039804"/>
-            <a:ext cx="1250134" cy="400110"/>
-          </a:xfrm>
-          <a:prstGeom prst="rect">
-            <a:avLst/>
-          </a:prstGeom>
-          <a:noFill/>
-        </p:spPr>
-        <p:txBody>
-          <a:bodyPr wrap="square" rtlCol="0" anchor="ctr">
-            <a:spAutoFit/>
-          </a:bodyPr>
-          <a:lstStyle/>
-          <a:p>
-            <a:r>
-              <a:rPr lang="en-US" altLang="ko-KR" sz="2000" b="1"/>
-              <a:t>Cluster</a:t>
-            </a:r>
-          </a:p>
-        </p:txBody>
-      </p:sp>
-      <p:sp>
-        <p:nvSpPr>
-          <p:cNvPr id="88" name="모서리가 둥근 직사각형 3">
-            <a:extLst>
-              <a:ext uri="{FF2B5EF4-FFF2-40B4-BE49-F238E27FC236}">
-                <a16:creationId xmlns:a16="http://schemas.microsoft.com/office/drawing/2014/main" id="{D020B808-7F96-4C96-B6B7-11F548316B24}"/>
-              </a:ext>
-            </a:extLst>
-          </p:cNvPr>
-          <p:cNvSpPr/>
-          <p:nvPr/>
-        </p:nvSpPr>
-        <p:spPr>
-          <a:xfrm>
-            <a:off x="7764836" y="2366669"/>
-            <a:ext cx="1199652" cy="502462"/>
-          </a:xfrm>
-          <a:prstGeom prst="roundRect">
-            <a:avLst/>
-          </a:prstGeom>
-          <a:ln>
-            <a:solidFill>
-              <a:schemeClr val="tx2"/>
-            </a:solidFill>
-          </a:ln>
-        </p:spPr>
-        <p:style>
-          <a:lnRef idx="2">
-            <a:schemeClr val="dk1"/>
-          </a:lnRef>
-          <a:fillRef idx="1">
-            <a:schemeClr val="lt1"/>
-          </a:fillRef>
-          <a:effectRef idx="0">
-            <a:schemeClr val="dk1"/>
-          </a:effectRef>
-          <a:fontRef idx="minor">
-            <a:schemeClr val="dk1"/>
-          </a:fontRef>
-        </p:style>
-        <p:txBody>
-          <a:bodyPr rtlCol="0" anchor="ctr"/>
-          <a:lstStyle/>
-          <a:p>
-            <a:pPr algn="ctr"/>
-            <a:r>
-              <a:rPr lang="en-US" altLang="ko-KR" sz="1600"/>
-              <a:t>Consumer</a:t>
-            </a:r>
-            <a:endParaRPr lang="ko-KR" altLang="en-US" sz="1600" dirty="0"/>
-          </a:p>
-        </p:txBody>
-      </p:sp>
-      <p:sp>
-        <p:nvSpPr>
-          <p:cNvPr id="124" name="직사각형 123">
-            <a:extLst>
-              <a:ext uri="{FF2B5EF4-FFF2-40B4-BE49-F238E27FC236}">
-                <a16:creationId xmlns:a16="http://schemas.microsoft.com/office/drawing/2014/main" id="{F04D5A20-8684-4859-BA5D-295F77732F7F}"/>
-              </a:ext>
-            </a:extLst>
-          </p:cNvPr>
-          <p:cNvSpPr/>
-          <p:nvPr/>
-        </p:nvSpPr>
-        <p:spPr>
-          <a:xfrm>
-            <a:off x="3756562" y="3145802"/>
-            <a:ext cx="504056" cy="324722"/>
-          </a:xfrm>
-          <a:prstGeom prst="rect">
-            <a:avLst/>
-          </a:prstGeom>
-        </p:spPr>
-        <p:style>
-          <a:lnRef idx="2">
-            <a:schemeClr val="dk1"/>
-          </a:lnRef>
-          <a:fillRef idx="1">
-            <a:schemeClr val="lt1"/>
-          </a:fillRef>
-          <a:effectRef idx="0">
-            <a:schemeClr val="dk1"/>
-          </a:effectRef>
-          <a:fontRef idx="minor">
-            <a:schemeClr val="dk1"/>
-          </a:fontRef>
-        </p:style>
-        <p:txBody>
-          <a:bodyPr rtlCol="0" anchor="ctr"/>
-          <a:lstStyle/>
-          <a:p>
-            <a:pPr algn="ctr"/>
-            <a:r>
-              <a:rPr lang="en-US" altLang="ko-KR" sz="1050"/>
-              <a:t>Msg B</a:t>
-            </a:r>
-            <a:endParaRPr lang="ko-KR" altLang="en-US" sz="1200"/>
-          </a:p>
-        </p:txBody>
-      </p:sp>
-      <p:cxnSp>
-        <p:nvCxnSpPr>
-          <p:cNvPr id="41" name="직선 화살표 연결선 40">
-            <a:extLst>
-              <a:ext uri="{FF2B5EF4-FFF2-40B4-BE49-F238E27FC236}">
-                <a16:creationId xmlns:a16="http://schemas.microsoft.com/office/drawing/2014/main" id="{E7661F73-0EA3-4DFA-BAF5-506D7CC14684}"/>
-              </a:ext>
-            </a:extLst>
-          </p:cNvPr>
-          <p:cNvCxnSpPr>
-            <a:cxnSpLocks/>
-          </p:cNvCxnSpPr>
-          <p:nvPr/>
-        </p:nvCxnSpPr>
-        <p:spPr>
-          <a:xfrm>
-            <a:off x="5929220" y="1635646"/>
-            <a:ext cx="1835616" cy="905432"/>
-          </a:xfrm>
-          <a:prstGeom prst="straightConnector1">
-            <a:avLst/>
-          </a:prstGeom>
-          <a:ln w="28575">
-            <a:solidFill>
-              <a:schemeClr val="tx2"/>
-            </a:solidFill>
-            <a:tailEnd type="arrow"/>
-          </a:ln>
-        </p:spPr>
-        <p:style>
-          <a:lnRef idx="1">
-            <a:schemeClr val="dk1"/>
-          </a:lnRef>
-          <a:fillRef idx="0">
-            <a:schemeClr val="dk1"/>
-          </a:fillRef>
-          <a:effectRef idx="0">
-            <a:schemeClr val="dk1"/>
-          </a:effectRef>
-          <a:fontRef idx="minor">
-            <a:schemeClr val="tx1"/>
-          </a:fontRef>
-        </p:style>
-      </p:cxnSp>
-      <p:sp>
-        <p:nvSpPr>
-          <p:cNvPr id="47" name="모서리가 둥근 직사각형 35">
-            <a:extLst>
-              <a:ext uri="{FF2B5EF4-FFF2-40B4-BE49-F238E27FC236}">
-                <a16:creationId xmlns:a16="http://schemas.microsoft.com/office/drawing/2014/main" id="{DCAD3521-C382-46FD-80E9-041303335C4C}"/>
-              </a:ext>
-            </a:extLst>
-          </p:cNvPr>
-          <p:cNvSpPr/>
-          <p:nvPr/>
-        </p:nvSpPr>
-        <p:spPr>
-          <a:xfrm>
-            <a:off x="6027355" y="3020847"/>
-            <a:ext cx="1245403" cy="720815"/>
-          </a:xfrm>
-          <a:prstGeom prst="roundRect">
-            <a:avLst>
-              <a:gd name="adj" fmla="val 9205"/>
-            </a:avLst>
-          </a:prstGeom>
-        </p:spPr>
-        <p:style>
-          <a:lnRef idx="2">
-            <a:schemeClr val="dk1"/>
-          </a:lnRef>
-          <a:fillRef idx="1">
-            <a:schemeClr val="lt1"/>
-          </a:fillRef>
-          <a:effectRef idx="0">
-            <a:schemeClr val="dk1"/>
-          </a:effectRef>
-          <a:fontRef idx="minor">
-            <a:schemeClr val="dk1"/>
-          </a:fontRef>
-        </p:style>
-        <p:txBody>
-          <a:bodyPr rtlCol="0" anchor="b"/>
-          <a:lstStyle/>
-          <a:p>
-            <a:pPr algn="ctr"/>
-            <a:r>
-              <a:rPr lang="en-US" altLang="ko-KR" sz="1050"/>
-              <a:t>Queue A Slave</a:t>
-            </a:r>
-            <a:endParaRPr lang="ko-KR" altLang="en-US" sz="1050" dirty="0"/>
-          </a:p>
-        </p:txBody>
-      </p:sp>
-      <p:sp>
-        <p:nvSpPr>
-          <p:cNvPr id="48" name="직사각형 47">
-            <a:extLst>
-              <a:ext uri="{FF2B5EF4-FFF2-40B4-BE49-F238E27FC236}">
-                <a16:creationId xmlns:a16="http://schemas.microsoft.com/office/drawing/2014/main" id="{BD478F7A-BBA2-4B4D-B9AC-2A79E3254FA2}"/>
-              </a:ext>
-            </a:extLst>
-          </p:cNvPr>
-          <p:cNvSpPr/>
-          <p:nvPr/>
-        </p:nvSpPr>
-        <p:spPr>
-          <a:xfrm>
-            <a:off x="6140016" y="3128440"/>
-            <a:ext cx="504056" cy="324722"/>
-          </a:xfrm>
-          <a:prstGeom prst="rect">
-            <a:avLst/>
-          </a:prstGeom>
-        </p:spPr>
-        <p:style>
-          <a:lnRef idx="2">
-            <a:schemeClr val="dk1"/>
-          </a:lnRef>
-          <a:fillRef idx="1">
-            <a:schemeClr val="lt1"/>
-          </a:fillRef>
-          <a:effectRef idx="0">
-            <a:schemeClr val="dk1"/>
-          </a:effectRef>
-          <a:fontRef idx="minor">
-            <a:schemeClr val="dk1"/>
-          </a:fontRef>
-        </p:style>
-        <p:txBody>
-          <a:bodyPr rtlCol="0" anchor="ctr"/>
-          <a:lstStyle/>
-          <a:p>
-            <a:pPr algn="ctr"/>
-            <a:r>
-              <a:rPr lang="en-US" altLang="ko-KR" sz="1050"/>
-              <a:t>Msg A</a:t>
-            </a:r>
-            <a:endParaRPr lang="ko-KR" altLang="en-US" sz="1200"/>
-          </a:p>
-        </p:txBody>
-      </p:sp>
-      <p:sp>
-        <p:nvSpPr>
-          <p:cNvPr id="49" name="직사각형 48">
-            <a:extLst>
-              <a:ext uri="{FF2B5EF4-FFF2-40B4-BE49-F238E27FC236}">
-                <a16:creationId xmlns:a16="http://schemas.microsoft.com/office/drawing/2014/main" id="{16CE951B-0100-4D92-AC72-E861952C4D04}"/>
-              </a:ext>
-            </a:extLst>
-          </p:cNvPr>
-          <p:cNvSpPr/>
-          <p:nvPr/>
-        </p:nvSpPr>
-        <p:spPr>
-          <a:xfrm>
-            <a:off x="6639356" y="3128440"/>
-            <a:ext cx="504056" cy="324722"/>
-          </a:xfrm>
-          <a:prstGeom prst="rect">
-            <a:avLst/>
-          </a:prstGeom>
-        </p:spPr>
-        <p:style>
-          <a:lnRef idx="2">
-            <a:schemeClr val="dk1"/>
-          </a:lnRef>
-          <a:fillRef idx="1">
-            <a:schemeClr val="lt1"/>
-          </a:fillRef>
-          <a:effectRef idx="0">
-            <a:schemeClr val="dk1"/>
-          </a:effectRef>
-          <a:fontRef idx="minor">
-            <a:schemeClr val="dk1"/>
-          </a:fontRef>
-        </p:style>
-        <p:txBody>
-          <a:bodyPr rtlCol="0" anchor="ctr"/>
-          <a:lstStyle/>
-          <a:p>
-            <a:pPr algn="ctr"/>
-            <a:r>
-              <a:rPr lang="en-US" altLang="ko-KR" sz="1050"/>
-              <a:t>Msg B</a:t>
-            </a:r>
-            <a:endParaRPr lang="ko-KR" altLang="en-US" sz="1200"/>
-          </a:p>
-        </p:txBody>
-      </p:sp>
-      <p:cxnSp>
-        <p:nvCxnSpPr>
-          <p:cNvPr id="77" name="직선 화살표 연결선 76">
-            <a:extLst>
-              <a:ext uri="{FF2B5EF4-FFF2-40B4-BE49-F238E27FC236}">
-                <a16:creationId xmlns:a16="http://schemas.microsoft.com/office/drawing/2014/main" id="{9E92355C-95DB-4BB4-923A-03E160D4617F}"/>
-              </a:ext>
-            </a:extLst>
-          </p:cNvPr>
-          <p:cNvCxnSpPr>
-            <a:cxnSpLocks/>
-          </p:cNvCxnSpPr>
-          <p:nvPr/>
-        </p:nvCxnSpPr>
-        <p:spPr>
-          <a:xfrm flipV="1">
-            <a:off x="1500140" y="1810334"/>
-            <a:ext cx="1758933" cy="905432"/>
-          </a:xfrm>
-          <a:prstGeom prst="straightConnector1">
-            <a:avLst/>
-          </a:prstGeom>
-          <a:ln w="28575">
-            <a:solidFill>
-              <a:srgbClr val="C00000"/>
-            </a:solidFill>
-            <a:headEnd type="arrow" w="med" len="med"/>
-            <a:tailEnd type="none" w="med" len="med"/>
-          </a:ln>
-        </p:spPr>
-        <p:style>
-          <a:lnRef idx="1">
-            <a:schemeClr val="dk1"/>
-          </a:lnRef>
-          <a:fillRef idx="0">
-            <a:schemeClr val="dk1"/>
-          </a:fillRef>
-          <a:effectRef idx="0">
-            <a:schemeClr val="dk1"/>
-          </a:effectRef>
-          <a:fontRef idx="minor">
-            <a:schemeClr val="tx1"/>
-          </a:fontRef>
-        </p:style>
-      </p:cxnSp>
-      <p:cxnSp>
-        <p:nvCxnSpPr>
-          <p:cNvPr id="80" name="직선 화살표 연결선 79">
-            <a:extLst>
-              <a:ext uri="{FF2B5EF4-FFF2-40B4-BE49-F238E27FC236}">
-                <a16:creationId xmlns:a16="http://schemas.microsoft.com/office/drawing/2014/main" id="{2A97D153-37A2-46A4-BBE8-54CB0895A55A}"/>
-              </a:ext>
-            </a:extLst>
-          </p:cNvPr>
-          <p:cNvCxnSpPr>
-            <a:cxnSpLocks/>
-            <a:stCxn id="15" idx="2"/>
-            <a:endCxn id="73" idx="0"/>
-          </p:cNvCxnSpPr>
-          <p:nvPr/>
-        </p:nvCxnSpPr>
-        <p:spPr>
-          <a:xfrm flipH="1">
-            <a:off x="3768168" y="2191953"/>
-            <a:ext cx="1407956" cy="828894"/>
-          </a:xfrm>
-          <a:prstGeom prst="straightConnector1">
-            <a:avLst/>
-          </a:prstGeom>
-          <a:ln w="28575">
-            <a:solidFill>
-              <a:srgbClr val="C00000"/>
-            </a:solidFill>
-            <a:headEnd type="arrow" w="med" len="med"/>
-            <a:tailEnd type="none" w="med" len="med"/>
-          </a:ln>
-        </p:spPr>
-        <p:style>
-          <a:lnRef idx="1">
-            <a:schemeClr val="dk1"/>
-          </a:lnRef>
-          <a:fillRef idx="0">
-            <a:schemeClr val="dk1"/>
-          </a:fillRef>
-          <a:effectRef idx="0">
-            <a:schemeClr val="dk1"/>
-          </a:effectRef>
-          <a:fontRef idx="minor">
-            <a:schemeClr val="tx1"/>
-          </a:fontRef>
-        </p:style>
-      </p:cxnSp>
-      <p:cxnSp>
-        <p:nvCxnSpPr>
-          <p:cNvPr id="81" name="직선 화살표 연결선 80">
-            <a:extLst>
-              <a:ext uri="{FF2B5EF4-FFF2-40B4-BE49-F238E27FC236}">
-                <a16:creationId xmlns:a16="http://schemas.microsoft.com/office/drawing/2014/main" id="{AD710AF0-04CB-4593-ABAD-0423BFC2394D}"/>
-              </a:ext>
-            </a:extLst>
-          </p:cNvPr>
-          <p:cNvCxnSpPr>
-            <a:cxnSpLocks/>
-            <a:stCxn id="15" idx="2"/>
-            <a:endCxn id="47" idx="0"/>
-          </p:cNvCxnSpPr>
-          <p:nvPr/>
-        </p:nvCxnSpPr>
-        <p:spPr>
-          <a:xfrm>
-            <a:off x="5176124" y="2191953"/>
-            <a:ext cx="1473933" cy="828894"/>
-          </a:xfrm>
-          <a:prstGeom prst="straightConnector1">
-            <a:avLst/>
-          </a:prstGeom>
-          <a:ln w="28575">
-            <a:solidFill>
-              <a:srgbClr val="C00000"/>
-            </a:solidFill>
-            <a:headEnd type="arrow" w="med" len="med"/>
-            <a:tailEnd type="none" w="med" len="med"/>
-          </a:ln>
-        </p:spPr>
-        <p:style>
-          <a:lnRef idx="1">
-            <a:schemeClr val="dk1"/>
-          </a:lnRef>
-          <a:fillRef idx="0">
-            <a:schemeClr val="dk1"/>
-          </a:fillRef>
-          <a:effectRef idx="0">
-            <a:schemeClr val="dk1"/>
-          </a:effectRef>
-          <a:fontRef idx="minor">
-            <a:schemeClr val="tx1"/>
-          </a:fontRef>
-        </p:style>
-      </p:cxnSp>
-      <p:cxnSp>
-        <p:nvCxnSpPr>
-          <p:cNvPr id="90" name="직선 화살표 연결선 89">
-            <a:extLst>
-              <a:ext uri="{FF2B5EF4-FFF2-40B4-BE49-F238E27FC236}">
-                <a16:creationId xmlns:a16="http://schemas.microsoft.com/office/drawing/2014/main" id="{60AEF926-5FF0-45BD-99D6-7C37E15118FD}"/>
-              </a:ext>
-            </a:extLst>
-          </p:cNvPr>
-          <p:cNvCxnSpPr>
-            <a:cxnSpLocks/>
-          </p:cNvCxnSpPr>
-          <p:nvPr/>
-        </p:nvCxnSpPr>
-        <p:spPr>
-          <a:xfrm>
-            <a:off x="5929220" y="1810334"/>
-            <a:ext cx="1835616" cy="905432"/>
-          </a:xfrm>
-          <a:prstGeom prst="straightConnector1">
-            <a:avLst/>
-          </a:prstGeom>
-          <a:ln w="28575">
-            <a:solidFill>
-              <a:schemeClr val="tx2"/>
-            </a:solidFill>
-            <a:headEnd type="arrow" w="med" len="med"/>
-            <a:tailEnd type="none" w="med" len="med"/>
-          </a:ln>
-        </p:spPr>
-        <p:style>
-          <a:lnRef idx="1">
-            <a:schemeClr val="dk1"/>
-          </a:lnRef>
-          <a:fillRef idx="0">
-            <a:schemeClr val="dk1"/>
-          </a:fillRef>
-          <a:effectRef idx="0">
-            <a:schemeClr val="dk1"/>
-          </a:effectRef>
-          <a:fontRef idx="minor">
-            <a:schemeClr val="tx1"/>
-          </a:fontRef>
-        </p:style>
-      </p:cxnSp>
-      <p:sp>
-        <p:nvSpPr>
-          <p:cNvPr id="39" name="TextBox 38">
-            <a:extLst>
-              <a:ext uri="{FF2B5EF4-FFF2-40B4-BE49-F238E27FC236}">
-                <a16:creationId xmlns:a16="http://schemas.microsoft.com/office/drawing/2014/main" id="{A6E8E627-F9E2-40A8-8979-3BFB36864E0D}"/>
-              </a:ext>
-            </a:extLst>
-          </p:cNvPr>
-          <p:cNvSpPr txBox="1"/>
-          <p:nvPr/>
-        </p:nvSpPr>
-        <p:spPr>
-          <a:xfrm rot="19987046">
-            <a:off x="1605883" y="1871955"/>
-            <a:ext cx="1307508" cy="261610"/>
-          </a:xfrm>
-          <a:prstGeom prst="rect">
-            <a:avLst/>
-          </a:prstGeom>
-          <a:noFill/>
-        </p:spPr>
-        <p:txBody>
-          <a:bodyPr wrap="square" rtlCol="0" anchor="ctr">
-            <a:spAutoFit/>
-          </a:bodyPr>
-          <a:lstStyle/>
-          <a:p>
-            <a:pPr algn="ctr"/>
-            <a:r>
-              <a:rPr lang="en-US" altLang="ko-KR" sz="1100">
-                <a:solidFill>
-                  <a:srgbClr val="C00000"/>
-                </a:solidFill>
-              </a:rPr>
-              <a:t>1. Message</a:t>
-            </a:r>
-            <a:endParaRPr lang="ko-KR" altLang="en-US" sz="1100">
-              <a:solidFill>
-                <a:srgbClr val="C00000"/>
-              </a:solidFill>
-            </a:endParaRPr>
-          </a:p>
-        </p:txBody>
-      </p:sp>
-      <p:sp>
-        <p:nvSpPr>
-          <p:cNvPr id="91" name="TextBox 90">
-            <a:extLst>
-              <a:ext uri="{FF2B5EF4-FFF2-40B4-BE49-F238E27FC236}">
-                <a16:creationId xmlns:a16="http://schemas.microsoft.com/office/drawing/2014/main" id="{DEE5BAD8-3A71-4ECD-B922-A12E8F7194CA}"/>
-              </a:ext>
-            </a:extLst>
-          </p:cNvPr>
-          <p:cNvSpPr txBox="1"/>
-          <p:nvPr/>
-        </p:nvSpPr>
-        <p:spPr>
-          <a:xfrm rot="19963975">
-            <a:off x="1808465" y="2253888"/>
-            <a:ext cx="1307508" cy="261610"/>
-          </a:xfrm>
-          <a:prstGeom prst="rect">
-            <a:avLst/>
-          </a:prstGeom>
-          <a:noFill/>
-        </p:spPr>
-        <p:txBody>
-          <a:bodyPr wrap="square" rtlCol="0" anchor="ctr">
-            <a:spAutoFit/>
-          </a:bodyPr>
-          <a:lstStyle/>
-          <a:p>
-            <a:pPr algn="ctr"/>
-            <a:r>
-              <a:rPr lang="en-US" altLang="ko-KR" sz="1100">
-                <a:solidFill>
-                  <a:srgbClr val="C00000"/>
-                </a:solidFill>
-              </a:rPr>
-              <a:t>4. ACK</a:t>
-            </a:r>
-            <a:endParaRPr lang="ko-KR" altLang="en-US" sz="1100">
-              <a:solidFill>
-                <a:srgbClr val="C00000"/>
-              </a:solidFill>
-            </a:endParaRPr>
-          </a:p>
-        </p:txBody>
-      </p:sp>
-      <p:sp>
-        <p:nvSpPr>
-          <p:cNvPr id="92" name="TextBox 91">
-            <a:extLst>
-              <a:ext uri="{FF2B5EF4-FFF2-40B4-BE49-F238E27FC236}">
-                <a16:creationId xmlns:a16="http://schemas.microsoft.com/office/drawing/2014/main" id="{9DB79912-694F-4F23-B6E8-A713179DBDCB}"/>
-              </a:ext>
-            </a:extLst>
-          </p:cNvPr>
-          <p:cNvSpPr txBox="1"/>
-          <p:nvPr/>
-        </p:nvSpPr>
-        <p:spPr>
-          <a:xfrm>
-            <a:off x="4510899" y="2356887"/>
-            <a:ext cx="1307508" cy="430887"/>
-          </a:xfrm>
-          <a:prstGeom prst="rect">
-            <a:avLst/>
-          </a:prstGeom>
-          <a:noFill/>
-        </p:spPr>
-        <p:txBody>
-          <a:bodyPr wrap="square" rtlCol="0" anchor="ctr">
-            <a:spAutoFit/>
-          </a:bodyPr>
-          <a:lstStyle/>
-          <a:p>
-            <a:pPr algn="ctr"/>
-            <a:r>
-              <a:rPr lang="en-US" altLang="ko-KR" sz="1100">
-                <a:solidFill>
-                  <a:srgbClr val="C00000"/>
-                </a:solidFill>
-              </a:rPr>
-              <a:t>3. Mirroring</a:t>
-            </a:r>
-          </a:p>
-          <a:p>
-            <a:pPr algn="ctr"/>
-            <a:r>
-              <a:rPr lang="en-US" altLang="ko-KR" sz="1100">
-                <a:solidFill>
-                  <a:srgbClr val="C00000"/>
-                </a:solidFill>
-              </a:rPr>
-              <a:t>ACK</a:t>
-            </a:r>
-            <a:endParaRPr lang="ko-KR" altLang="en-US" sz="1100">
-              <a:solidFill>
-                <a:srgbClr val="C00000"/>
-              </a:solidFill>
-            </a:endParaRPr>
-          </a:p>
-        </p:txBody>
-      </p:sp>
-      <p:sp>
-        <p:nvSpPr>
-          <p:cNvPr id="94" name="TextBox 93">
-            <a:extLst>
-              <a:ext uri="{FF2B5EF4-FFF2-40B4-BE49-F238E27FC236}">
-                <a16:creationId xmlns:a16="http://schemas.microsoft.com/office/drawing/2014/main" id="{D32432F1-F80A-49FF-ABB6-C3714A4EDDEE}"/>
-              </a:ext>
-            </a:extLst>
-          </p:cNvPr>
-          <p:cNvSpPr txBox="1"/>
-          <p:nvPr/>
-        </p:nvSpPr>
-        <p:spPr>
-          <a:xfrm rot="1555124">
-            <a:off x="6244085" y="1836235"/>
-            <a:ext cx="1307508" cy="261610"/>
-          </a:xfrm>
-          <a:prstGeom prst="rect">
-            <a:avLst/>
-          </a:prstGeom>
-          <a:noFill/>
-        </p:spPr>
-        <p:txBody>
-          <a:bodyPr wrap="square" rtlCol="0" anchor="ctr">
-            <a:spAutoFit/>
-          </a:bodyPr>
-          <a:lstStyle/>
-          <a:p>
-            <a:pPr algn="ctr"/>
-            <a:r>
-              <a:rPr lang="en-US" altLang="ko-KR" sz="1100">
-                <a:solidFill>
-                  <a:schemeClr val="tx2"/>
-                </a:solidFill>
-              </a:rPr>
-              <a:t>1. Message</a:t>
-            </a:r>
-            <a:endParaRPr lang="ko-KR" altLang="en-US" sz="1100">
-              <a:solidFill>
-                <a:schemeClr val="tx2"/>
-              </a:solidFill>
-            </a:endParaRPr>
-          </a:p>
-        </p:txBody>
-      </p:sp>
-      <p:sp>
-        <p:nvSpPr>
-          <p:cNvPr id="95" name="TextBox 94">
-            <a:extLst>
-              <a:ext uri="{FF2B5EF4-FFF2-40B4-BE49-F238E27FC236}">
-                <a16:creationId xmlns:a16="http://schemas.microsoft.com/office/drawing/2014/main" id="{4C39357A-ED6E-4D43-98C0-08E26E046130}"/>
-              </a:ext>
-            </a:extLst>
-          </p:cNvPr>
-          <p:cNvSpPr txBox="1"/>
-          <p:nvPr/>
-        </p:nvSpPr>
-        <p:spPr>
-          <a:xfrm rot="1566180">
-            <a:off x="5935288" y="2232283"/>
-            <a:ext cx="1579502" cy="261610"/>
-          </a:xfrm>
-          <a:prstGeom prst="rect">
-            <a:avLst/>
-          </a:prstGeom>
-          <a:noFill/>
-        </p:spPr>
-        <p:txBody>
-          <a:bodyPr wrap="square" rtlCol="0" anchor="ctr">
-            <a:spAutoFit/>
-          </a:bodyPr>
-          <a:lstStyle/>
-          <a:p>
-            <a:pPr algn="ctr"/>
-            <a:r>
-              <a:rPr lang="en-US" altLang="ko-KR" sz="1100">
-                <a:solidFill>
-                  <a:schemeClr val="tx2"/>
-                </a:solidFill>
-              </a:rPr>
-              <a:t>2. ACK</a:t>
-            </a:r>
-          </a:p>
-        </p:txBody>
-      </p:sp>
-      <p:cxnSp>
-        <p:nvCxnSpPr>
-          <p:cNvPr id="96" name="직선 화살표 연결선 95">
-            <a:extLst>
-              <a:ext uri="{FF2B5EF4-FFF2-40B4-BE49-F238E27FC236}">
-                <a16:creationId xmlns:a16="http://schemas.microsoft.com/office/drawing/2014/main" id="{4DDD7D8E-FA64-4ED6-946B-6F8565FEB3B3}"/>
-              </a:ext>
-            </a:extLst>
-          </p:cNvPr>
-          <p:cNvCxnSpPr>
-            <a:cxnSpLocks/>
-          </p:cNvCxnSpPr>
-          <p:nvPr/>
-        </p:nvCxnSpPr>
-        <p:spPr>
-          <a:xfrm flipH="1">
-            <a:off x="3516364" y="2191953"/>
-            <a:ext cx="1407956" cy="828894"/>
-          </a:xfrm>
-          <a:prstGeom prst="straightConnector1">
-            <a:avLst/>
-          </a:prstGeom>
-          <a:ln w="28575">
-            <a:solidFill>
-              <a:srgbClr val="C00000"/>
-            </a:solidFill>
-            <a:tailEnd type="arrow"/>
-          </a:ln>
-        </p:spPr>
-        <p:style>
-          <a:lnRef idx="1">
-            <a:schemeClr val="dk1"/>
-          </a:lnRef>
-          <a:fillRef idx="0">
-            <a:schemeClr val="dk1"/>
-          </a:fillRef>
-          <a:effectRef idx="0">
-            <a:schemeClr val="dk1"/>
-          </a:effectRef>
-          <a:fontRef idx="minor">
-            <a:schemeClr val="tx1"/>
-          </a:fontRef>
-        </p:style>
-      </p:cxnSp>
-      <p:cxnSp>
-        <p:nvCxnSpPr>
-          <p:cNvPr id="97" name="직선 화살표 연결선 96">
-            <a:extLst>
-              <a:ext uri="{FF2B5EF4-FFF2-40B4-BE49-F238E27FC236}">
-                <a16:creationId xmlns:a16="http://schemas.microsoft.com/office/drawing/2014/main" id="{038580CF-C6A8-4EF1-A069-47E116FA2328}"/>
-              </a:ext>
-            </a:extLst>
-          </p:cNvPr>
-          <p:cNvCxnSpPr>
-            <a:cxnSpLocks/>
-          </p:cNvCxnSpPr>
-          <p:nvPr/>
-        </p:nvCxnSpPr>
-        <p:spPr>
-          <a:xfrm>
-            <a:off x="5426807" y="2191953"/>
-            <a:ext cx="1473933" cy="828894"/>
-          </a:xfrm>
-          <a:prstGeom prst="straightConnector1">
-            <a:avLst/>
-          </a:prstGeom>
-          <a:ln w="28575">
-            <a:solidFill>
-              <a:srgbClr val="C00000"/>
-            </a:solidFill>
-            <a:tailEnd type="arrow"/>
-          </a:ln>
-        </p:spPr>
-        <p:style>
-          <a:lnRef idx="1">
-            <a:schemeClr val="dk1"/>
-          </a:lnRef>
-          <a:fillRef idx="0">
-            <a:schemeClr val="dk1"/>
-          </a:fillRef>
-          <a:effectRef idx="0">
-            <a:schemeClr val="dk1"/>
-          </a:effectRef>
-          <a:fontRef idx="minor">
-            <a:schemeClr val="tx1"/>
-          </a:fontRef>
-        </p:style>
-      </p:cxnSp>
-      <p:sp>
-        <p:nvSpPr>
-          <p:cNvPr id="99" name="TextBox 98">
-            <a:extLst>
-              <a:ext uri="{FF2B5EF4-FFF2-40B4-BE49-F238E27FC236}">
-                <a16:creationId xmlns:a16="http://schemas.microsoft.com/office/drawing/2014/main" id="{AB741C59-0221-453A-9F98-FDE4F5E50CBB}"/>
-              </a:ext>
-            </a:extLst>
-          </p:cNvPr>
-          <p:cNvSpPr txBox="1"/>
-          <p:nvPr/>
-        </p:nvSpPr>
-        <p:spPr>
-          <a:xfrm rot="19772229">
-            <a:off x="3384914" y="2428804"/>
-            <a:ext cx="1307508" cy="261610"/>
-          </a:xfrm>
-          <a:prstGeom prst="rect">
-            <a:avLst/>
-          </a:prstGeom>
-          <a:noFill/>
-        </p:spPr>
-        <p:txBody>
-          <a:bodyPr wrap="square" rtlCol="0" anchor="ctr">
-            <a:spAutoFit/>
-          </a:bodyPr>
-          <a:lstStyle/>
-          <a:p>
-            <a:pPr algn="ctr"/>
-            <a:r>
-              <a:rPr lang="en-US" altLang="ko-KR" sz="1100">
-                <a:solidFill>
-                  <a:srgbClr val="C00000"/>
-                </a:solidFill>
-              </a:rPr>
-              <a:t>2. Message</a:t>
-            </a:r>
-            <a:endParaRPr lang="ko-KR" altLang="en-US" sz="1100">
-              <a:solidFill>
-                <a:srgbClr val="C00000"/>
-              </a:solidFill>
-            </a:endParaRPr>
-          </a:p>
-        </p:txBody>
-      </p:sp>
-      <p:sp>
-        <p:nvSpPr>
-          <p:cNvPr id="100" name="TextBox 99">
-            <a:extLst>
-              <a:ext uri="{FF2B5EF4-FFF2-40B4-BE49-F238E27FC236}">
-                <a16:creationId xmlns:a16="http://schemas.microsoft.com/office/drawing/2014/main" id="{A80D6B0B-4A05-44D5-8170-353F6EF52E5F}"/>
-              </a:ext>
-            </a:extLst>
-          </p:cNvPr>
-          <p:cNvSpPr txBox="1"/>
-          <p:nvPr/>
-        </p:nvSpPr>
-        <p:spPr>
-          <a:xfrm rot="1733916">
-            <a:off x="5659824" y="2393414"/>
-            <a:ext cx="1307508" cy="261610"/>
-          </a:xfrm>
-          <a:prstGeom prst="rect">
-            <a:avLst/>
-          </a:prstGeom>
-          <a:noFill/>
-        </p:spPr>
-        <p:txBody>
-          <a:bodyPr wrap="square" rtlCol="0" anchor="ctr">
-            <a:spAutoFit/>
-          </a:bodyPr>
-          <a:lstStyle/>
-          <a:p>
-            <a:pPr algn="ctr"/>
-            <a:r>
-              <a:rPr lang="en-US" altLang="ko-KR" sz="1100">
-                <a:solidFill>
-                  <a:srgbClr val="C00000"/>
-                </a:solidFill>
-              </a:rPr>
-              <a:t>2. Message</a:t>
-            </a:r>
-            <a:endParaRPr lang="ko-KR" altLang="en-US" sz="1100">
-              <a:solidFill>
-                <a:srgbClr val="C00000"/>
-              </a:solidFill>
-            </a:endParaRPr>
-          </a:p>
-        </p:txBody>
-      </p:sp>
-      <p:cxnSp>
-        <p:nvCxnSpPr>
-          <p:cNvPr id="101" name="직선 화살표 연결선 100">
-            <a:extLst>
-              <a:ext uri="{FF2B5EF4-FFF2-40B4-BE49-F238E27FC236}">
-                <a16:creationId xmlns:a16="http://schemas.microsoft.com/office/drawing/2014/main" id="{32A58151-45F1-466C-B89A-8E84A77ED228}"/>
-              </a:ext>
-            </a:extLst>
-          </p:cNvPr>
-          <p:cNvCxnSpPr>
-            <a:cxnSpLocks/>
-          </p:cNvCxnSpPr>
-          <p:nvPr/>
-        </p:nvCxnSpPr>
-        <p:spPr>
-          <a:xfrm>
-            <a:off x="1854329" y="4366434"/>
-            <a:ext cx="434261" cy="0"/>
-          </a:xfrm>
-          <a:prstGeom prst="straightConnector1">
-            <a:avLst/>
-          </a:prstGeom>
-          <a:ln w="28575">
-            <a:solidFill>
-              <a:srgbClr val="C00000"/>
-            </a:solidFill>
-            <a:tailEnd type="arrow"/>
-          </a:ln>
-        </p:spPr>
-        <p:style>
-          <a:lnRef idx="1">
-            <a:schemeClr val="dk1"/>
-          </a:lnRef>
-          <a:fillRef idx="0">
-            <a:schemeClr val="dk1"/>
-          </a:fillRef>
-          <a:effectRef idx="0">
-            <a:schemeClr val="dk1"/>
-          </a:effectRef>
-          <a:fontRef idx="minor">
-            <a:schemeClr val="tx1"/>
-          </a:fontRef>
-        </p:style>
-      </p:cxnSp>
-      <p:sp>
-        <p:nvSpPr>
-          <p:cNvPr id="103" name="TextBox 102">
-            <a:extLst>
-              <a:ext uri="{FF2B5EF4-FFF2-40B4-BE49-F238E27FC236}">
-                <a16:creationId xmlns:a16="http://schemas.microsoft.com/office/drawing/2014/main" id="{30D497C3-E93E-402D-BCFA-A15052DCE3C7}"/>
-              </a:ext>
-            </a:extLst>
-          </p:cNvPr>
-          <p:cNvSpPr txBox="1"/>
-          <p:nvPr/>
-        </p:nvSpPr>
-        <p:spPr>
-          <a:xfrm>
-            <a:off x="2069599" y="4227934"/>
-            <a:ext cx="1854329" cy="276999"/>
-          </a:xfrm>
-          <a:prstGeom prst="rect">
-            <a:avLst/>
-          </a:prstGeom>
-          <a:noFill/>
-        </p:spPr>
-        <p:txBody>
-          <a:bodyPr wrap="square" rtlCol="0" anchor="ctr">
-            <a:spAutoFit/>
-          </a:bodyPr>
-          <a:lstStyle/>
-          <a:p>
-            <a:pPr algn="ctr"/>
-            <a:r>
-              <a:rPr lang="en-US" altLang="ko-KR" sz="1200"/>
-              <a:t>Producer Confirm</a:t>
-            </a:r>
-            <a:endParaRPr lang="ko-KR" altLang="en-US" sz="1200"/>
-          </a:p>
-        </p:txBody>
-      </p:sp>
-      <p:cxnSp>
-        <p:nvCxnSpPr>
-          <p:cNvPr id="105" name="직선 화살표 연결선 104">
-            <a:extLst>
-              <a:ext uri="{FF2B5EF4-FFF2-40B4-BE49-F238E27FC236}">
-                <a16:creationId xmlns:a16="http://schemas.microsoft.com/office/drawing/2014/main" id="{3049B187-6622-4071-9FB8-FA25FC7AD52D}"/>
-              </a:ext>
-            </a:extLst>
-          </p:cNvPr>
-          <p:cNvCxnSpPr>
-            <a:cxnSpLocks/>
-          </p:cNvCxnSpPr>
-          <p:nvPr/>
-        </p:nvCxnSpPr>
-        <p:spPr>
-          <a:xfrm>
-            <a:off x="3826357" y="4366434"/>
-            <a:ext cx="434261" cy="0"/>
-          </a:xfrm>
-          <a:prstGeom prst="straightConnector1">
-            <a:avLst/>
-          </a:prstGeom>
-          <a:ln w="28575">
-            <a:solidFill>
-              <a:schemeClr val="tx2"/>
-            </a:solidFill>
-            <a:tailEnd type="arrow"/>
-          </a:ln>
-        </p:spPr>
-        <p:style>
-          <a:lnRef idx="1">
-            <a:schemeClr val="dk1"/>
-          </a:lnRef>
-          <a:fillRef idx="0">
-            <a:schemeClr val="dk1"/>
-          </a:fillRef>
-          <a:effectRef idx="0">
-            <a:schemeClr val="dk1"/>
-          </a:effectRef>
-          <a:fontRef idx="minor">
-            <a:schemeClr val="tx1"/>
-          </a:fontRef>
-        </p:style>
-      </p:cxnSp>
-      <p:sp>
-        <p:nvSpPr>
-          <p:cNvPr id="106" name="TextBox 105">
-            <a:extLst>
-              <a:ext uri="{FF2B5EF4-FFF2-40B4-BE49-F238E27FC236}">
-                <a16:creationId xmlns:a16="http://schemas.microsoft.com/office/drawing/2014/main" id="{A851A07A-D8C7-4D5B-85AD-66602FE5EE08}"/>
-              </a:ext>
-            </a:extLst>
-          </p:cNvPr>
-          <p:cNvSpPr txBox="1"/>
-          <p:nvPr/>
-        </p:nvSpPr>
-        <p:spPr>
-          <a:xfrm>
-            <a:off x="4085823" y="4227934"/>
-            <a:ext cx="2553533" cy="276999"/>
-          </a:xfrm>
-          <a:prstGeom prst="rect">
-            <a:avLst/>
-          </a:prstGeom>
-          <a:noFill/>
-        </p:spPr>
-        <p:txBody>
-          <a:bodyPr wrap="square" rtlCol="0" anchor="ctr">
-            <a:spAutoFit/>
-          </a:bodyPr>
-          <a:lstStyle/>
-          <a:p>
-            <a:pPr algn="ctr"/>
-            <a:r>
-              <a:rPr lang="en-US" altLang="ko-KR" sz="1200"/>
-              <a:t>Consumer Acknowledgement</a:t>
-            </a:r>
-            <a:endParaRPr lang="ko-KR" altLang="en-US" sz="1200"/>
-          </a:p>
-        </p:txBody>
-      </p:sp>
-    </p:spTree>
-    <p:extLst>
-      <p:ext uri="{BB962C8B-B14F-4D97-AF65-F5344CB8AC3E}">
-        <p14:creationId xmlns:p14="http://schemas.microsoft.com/office/powerpoint/2010/main" val="907068282"/>
       </p:ext>
     </p:extLst>
   </p:cSld>
